--- a/Event Planner Presentation.pptx
+++ b/Event Planner Presentation.pptx
@@ -142,6 +142,11 @@
       </a:defRPr>
     </a:lvl9pPr>
   </p:defaultTextStyle>
+  <p:extLst>
+    <p:ext uri="{EFAFB233-063F-42B5-8137-9DF3F51BA10A}">
+      <p15:sldGuideLst xmlns:p15="http://schemas.microsoft.com/office/powerpoint/2012/main"/>
+    </p:ext>
+  </p:extLst>
 </p:presentation>
 </file>
 
@@ -7821,7 +7826,7 @@
           <a:p>
             <a:fld id="{922DC7D6-BEBC-4924-800A-08478CFCE8F0}" type="datetimeFigureOut">
               <a:rPr lang="en-US" smtClean="0"/>
-              <a:t>12/15/2020</a:t>
+              <a:t>12/16/2020</a:t>
             </a:fld>
             <a:endParaRPr lang="en-US"/>
           </a:p>
@@ -8469,7 +8474,7 @@
           <a:p>
             <a:fld id="{E05D0E90-DB8C-483D-B864-291FDA3F4301}" type="datetimeFigureOut">
               <a:rPr lang="en-US" smtClean="0"/>
-              <a:t>12/15/2020</a:t>
+              <a:t>12/16/2020</a:t>
             </a:fld>
             <a:endParaRPr lang="en-US"/>
           </a:p>
@@ -8883,7 +8888,7 @@
           <a:p>
             <a:fld id="{E05D0E90-DB8C-483D-B864-291FDA3F4301}" type="datetimeFigureOut">
               <a:rPr lang="en-US" smtClean="0"/>
-              <a:t>12/15/2020</a:t>
+              <a:t>12/16/2020</a:t>
             </a:fld>
             <a:endParaRPr lang="en-US"/>
           </a:p>
@@ -9219,7 +9224,7 @@
           <a:p>
             <a:fld id="{E05D0E90-DB8C-483D-B864-291FDA3F4301}" type="datetimeFigureOut">
               <a:rPr lang="en-US" smtClean="0"/>
-              <a:t>12/15/2020</a:t>
+              <a:t>12/16/2020</a:t>
             </a:fld>
             <a:endParaRPr lang="en-US"/>
           </a:p>
@@ -9624,7 +9629,7 @@
           <a:p>
             <a:fld id="{E05D0E90-DB8C-483D-B864-291FDA3F4301}" type="datetimeFigureOut">
               <a:rPr lang="en-US" smtClean="0"/>
-              <a:t>12/15/2020</a:t>
+              <a:t>12/16/2020</a:t>
             </a:fld>
             <a:endParaRPr lang="en-US"/>
           </a:p>
@@ -10192,7 +10197,7 @@
           <a:p>
             <a:fld id="{E05D0E90-DB8C-483D-B864-291FDA3F4301}" type="datetimeFigureOut">
               <a:rPr lang="en-US" smtClean="0"/>
-              <a:t>12/15/2020</a:t>
+              <a:t>12/16/2020</a:t>
             </a:fld>
             <a:endParaRPr lang="en-US"/>
           </a:p>
@@ -10873,7 +10878,7 @@
           <a:p>
             <a:fld id="{E05D0E90-DB8C-483D-B864-291FDA3F4301}" type="datetimeFigureOut">
               <a:rPr lang="en-US" smtClean="0"/>
-              <a:t>12/15/2020</a:t>
+              <a:t>12/16/2020</a:t>
             </a:fld>
             <a:endParaRPr lang="en-US"/>
           </a:p>
@@ -11786,7 +11791,7 @@
           <a:p>
             <a:fld id="{E05D0E90-DB8C-483D-B864-291FDA3F4301}" type="datetimeFigureOut">
               <a:rPr lang="en-US" smtClean="0"/>
-              <a:t>12/15/2020</a:t>
+              <a:t>12/16/2020</a:t>
             </a:fld>
             <a:endParaRPr lang="en-US"/>
           </a:p>
@@ -12099,7 +12104,7 @@
           <a:p>
             <a:fld id="{E05D0E90-DB8C-483D-B864-291FDA3F4301}" type="datetimeFigureOut">
               <a:rPr lang="en-US" smtClean="0"/>
-              <a:t>12/15/2020</a:t>
+              <a:t>12/16/2020</a:t>
             </a:fld>
             <a:endParaRPr lang="en-US"/>
           </a:p>
@@ -12363,7 +12368,7 @@
           <a:p>
             <a:fld id="{E05D0E90-DB8C-483D-B864-291FDA3F4301}" type="datetimeFigureOut">
               <a:rPr lang="en-US" smtClean="0"/>
-              <a:t>12/15/2020</a:t>
+              <a:t>12/16/2020</a:t>
             </a:fld>
             <a:endParaRPr lang="en-US"/>
           </a:p>
@@ -12686,7 +12691,7 @@
           <a:p>
             <a:fld id="{E05D0E90-DB8C-483D-B864-291FDA3F4301}" type="datetimeFigureOut">
               <a:rPr lang="en-US" smtClean="0"/>
-              <a:t>12/15/2020</a:t>
+              <a:t>12/16/2020</a:t>
             </a:fld>
             <a:endParaRPr lang="en-US"/>
           </a:p>
@@ -13075,7 +13080,7 @@
           <a:p>
             <a:fld id="{E05D0E90-DB8C-483D-B864-291FDA3F4301}" type="datetimeFigureOut">
               <a:rPr lang="en-US" smtClean="0"/>
-              <a:t>12/15/2020</a:t>
+              <a:t>12/16/2020</a:t>
             </a:fld>
             <a:endParaRPr lang="en-US"/>
           </a:p>
@@ -13451,7 +13456,7 @@
           <a:p>
             <a:fld id="{E05D0E90-DB8C-483D-B864-291FDA3F4301}" type="datetimeFigureOut">
               <a:rPr lang="en-US" smtClean="0"/>
-              <a:t>12/15/2020</a:t>
+              <a:t>12/16/2020</a:t>
             </a:fld>
             <a:endParaRPr lang="en-US"/>
           </a:p>
@@ -13957,7 +13962,7 @@
           <a:p>
             <a:fld id="{E05D0E90-DB8C-483D-B864-291FDA3F4301}" type="datetimeFigureOut">
               <a:rPr lang="en-US" smtClean="0"/>
-              <a:t>12/15/2020</a:t>
+              <a:t>12/16/2020</a:t>
             </a:fld>
             <a:endParaRPr lang="en-US"/>
           </a:p>
@@ -14214,7 +14219,7 @@
           <a:p>
             <a:fld id="{E05D0E90-DB8C-483D-B864-291FDA3F4301}" type="datetimeFigureOut">
               <a:rPr lang="en-US" smtClean="0"/>
-              <a:t>12/15/2020</a:t>
+              <a:t>12/16/2020</a:t>
             </a:fld>
             <a:endParaRPr lang="en-US"/>
           </a:p>
@@ -14377,7 +14382,7 @@
           <a:p>
             <a:fld id="{E05D0E90-DB8C-483D-B864-291FDA3F4301}" type="datetimeFigureOut">
               <a:rPr lang="en-US" smtClean="0"/>
-              <a:t>12/15/2020</a:t>
+              <a:t>12/16/2020</a:t>
             </a:fld>
             <a:endParaRPr lang="en-US"/>
           </a:p>
@@ -14767,7 +14772,7 @@
           <a:p>
             <a:fld id="{E05D0E90-DB8C-483D-B864-291FDA3F4301}" type="datetimeFigureOut">
               <a:rPr lang="en-US" smtClean="0"/>
-              <a:t>12/15/2020</a:t>
+              <a:t>12/16/2020</a:t>
             </a:fld>
             <a:endParaRPr lang="en-US"/>
           </a:p>
@@ -15176,7 +15181,7 @@
           <a:p>
             <a:fld id="{E05D0E90-DB8C-483D-B864-291FDA3F4301}" type="datetimeFigureOut">
               <a:rPr lang="en-US" smtClean="0"/>
-              <a:t>12/15/2020</a:t>
+              <a:t>12/16/2020</a:t>
             </a:fld>
             <a:endParaRPr lang="en-US"/>
           </a:p>
@@ -15420,7 +15425,7 @@
           <a:p>
             <a:fld id="{E05D0E90-DB8C-483D-B864-291FDA3F4301}" type="datetimeFigureOut">
               <a:rPr lang="en-US" smtClean="0"/>
-              <a:t>12/15/2020</a:t>
+              <a:t>12/16/2020</a:t>
             </a:fld>
             <a:endParaRPr lang="en-US"/>
           </a:p>
@@ -21234,7 +21239,7 @@
         </p:blipFill>
         <p:spPr>
           <a:xfrm>
-            <a:off x="5276090" y="1735551"/>
+            <a:off x="5276090" y="1744978"/>
             <a:ext cx="6303134" cy="3356418"/>
           </a:xfrm>
           <a:prstGeom prst="rect">
@@ -28227,7 +28232,7 @@
             </a:r>
             <a:r>
               <a:rPr lang="en-US" dirty="0"/>
-              <a:t> in if they do. The app will then request that they provide information before launching. </a:t>
+              <a:t> in if they do. The app will then request that they provide information before launching. The requested information is not required and the user may continue without it.  </a:t>
             </a:r>
           </a:p>
         </p:txBody>
@@ -28894,7 +28899,7 @@
         </p:blipFill>
         <p:spPr>
           <a:xfrm>
-            <a:off x="5276090" y="2461914"/>
+            <a:off x="5276090" y="2471341"/>
             <a:ext cx="6303134" cy="1903692"/>
           </a:xfrm>
           <a:prstGeom prst="rect">
